--- a/HW/GPIO-MAPPING.pptx
+++ b/HW/GPIO-MAPPING.pptx
@@ -6,6 +6,8 @@
   </p:sldMasterIdLst>
   <p:sldIdLst>
     <p:sldId id="256" r:id="rId2"/>
+    <p:sldId id="258" r:id="rId3"/>
+    <p:sldId id="257" r:id="rId4"/>
   </p:sldIdLst>
   <p:sldSz cx="12192000" cy="6858000"/>
   <p:notesSz cx="6858000" cy="9144000"/>
@@ -251,7 +253,7 @@
       </p:sp>
       <p:sp>
         <p:nvSpPr>
-          <p:cNvPr id="5" name="Footer Placeholder 4" hidden="1"/>
+          <p:cNvPr id="5" name="Footer Placeholder 4"/>
           <p:cNvSpPr>
             <a:spLocks noGrp="1"/>
           </p:cNvSpPr>
@@ -264,6 +266,10 @@
           <a:bodyPr/>
           <a:lstStyle/>
           <a:p>
+            <a:r>
+              <a:rPr lang="en-US" smtClean="0"/>
+              <a:t> [Internal Use] for Check Point employees​</a:t>
+            </a:r>
             <a:endParaRPr lang="en-US"/>
           </a:p>
         </p:txBody>
@@ -301,7 +307,7 @@
   <p:clrMapOvr>
     <a:masterClrMapping/>
   </p:clrMapOvr>
-  <p:hf sldNum="0" hdr="0" ftr="0" dt="0"/>
+  <p:hf sldNum="0" hdr="0" dt="0"/>
 </p:sldLayout>
 </file>
 
@@ -422,7 +428,7 @@
       </p:sp>
       <p:sp>
         <p:nvSpPr>
-          <p:cNvPr id="5" name="Footer Placeholder 4" hidden="1"/>
+          <p:cNvPr id="5" name="Footer Placeholder 4"/>
           <p:cNvSpPr>
             <a:spLocks noGrp="1"/>
           </p:cNvSpPr>
@@ -435,6 +441,10 @@
           <a:bodyPr/>
           <a:lstStyle/>
           <a:p>
+            <a:r>
+              <a:rPr lang="en-US" smtClean="0"/>
+              <a:t> [Internal Use] for Check Point employees​</a:t>
+            </a:r>
             <a:endParaRPr lang="en-US"/>
           </a:p>
         </p:txBody>
@@ -472,7 +482,7 @@
   <p:clrMapOvr>
     <a:masterClrMapping/>
   </p:clrMapOvr>
-  <p:hf sldNum="0" hdr="0" ftr="0" dt="0"/>
+  <p:hf sldNum="0" hdr="0" dt="0"/>
 </p:sldLayout>
 </file>
 
@@ -603,7 +613,7 @@
       </p:sp>
       <p:sp>
         <p:nvSpPr>
-          <p:cNvPr id="5" name="Footer Placeholder 4" hidden="1"/>
+          <p:cNvPr id="5" name="Footer Placeholder 4"/>
           <p:cNvSpPr>
             <a:spLocks noGrp="1"/>
           </p:cNvSpPr>
@@ -616,6 +626,10 @@
           <a:bodyPr/>
           <a:lstStyle/>
           <a:p>
+            <a:r>
+              <a:rPr lang="en-US" smtClean="0"/>
+              <a:t> [Internal Use] for Check Point employees​</a:t>
+            </a:r>
             <a:endParaRPr lang="en-US"/>
           </a:p>
         </p:txBody>
@@ -653,7 +667,7 @@
   <p:clrMapOvr>
     <a:masterClrMapping/>
   </p:clrMapOvr>
-  <p:hf sldNum="0" hdr="0" ftr="0" dt="0"/>
+  <p:hf sldNum="0" hdr="0" dt="0"/>
 </p:sldLayout>
 </file>
 
@@ -774,7 +788,7 @@
       </p:sp>
       <p:sp>
         <p:nvSpPr>
-          <p:cNvPr id="5" name="Footer Placeholder 4" hidden="1"/>
+          <p:cNvPr id="5" name="Footer Placeholder 4"/>
           <p:cNvSpPr>
             <a:spLocks noGrp="1"/>
           </p:cNvSpPr>
@@ -787,6 +801,10 @@
           <a:bodyPr/>
           <a:lstStyle/>
           <a:p>
+            <a:r>
+              <a:rPr lang="en-US" smtClean="0"/>
+              <a:t> [Internal Use] for Check Point employees​</a:t>
+            </a:r>
             <a:endParaRPr lang="en-US"/>
           </a:p>
         </p:txBody>
@@ -824,7 +842,7 @@
   <p:clrMapOvr>
     <a:masterClrMapping/>
   </p:clrMapOvr>
-  <p:hf sldNum="0" hdr="0" ftr="0" dt="0"/>
+  <p:hf sldNum="0" hdr="0" dt="0"/>
 </p:sldLayout>
 </file>
 
@@ -1021,7 +1039,7 @@
       </p:sp>
       <p:sp>
         <p:nvSpPr>
-          <p:cNvPr id="5" name="Footer Placeholder 4" hidden="1"/>
+          <p:cNvPr id="5" name="Footer Placeholder 4"/>
           <p:cNvSpPr>
             <a:spLocks noGrp="1"/>
           </p:cNvSpPr>
@@ -1034,6 +1052,10 @@
           <a:bodyPr/>
           <a:lstStyle/>
           <a:p>
+            <a:r>
+              <a:rPr lang="en-US" smtClean="0"/>
+              <a:t> [Internal Use] for Check Point employees​</a:t>
+            </a:r>
             <a:endParaRPr lang="en-US"/>
           </a:p>
         </p:txBody>
@@ -1071,7 +1093,7 @@
   <p:clrMapOvr>
     <a:masterClrMapping/>
   </p:clrMapOvr>
-  <p:hf sldNum="0" hdr="0" ftr="0" dt="0"/>
+  <p:hf sldNum="0" hdr="0" dt="0"/>
 </p:sldLayout>
 </file>
 
@@ -1254,7 +1276,7 @@
       </p:sp>
       <p:sp>
         <p:nvSpPr>
-          <p:cNvPr id="6" name="Footer Placeholder 5" hidden="1"/>
+          <p:cNvPr id="6" name="Footer Placeholder 5"/>
           <p:cNvSpPr>
             <a:spLocks noGrp="1"/>
           </p:cNvSpPr>
@@ -1267,6 +1289,10 @@
           <a:bodyPr/>
           <a:lstStyle/>
           <a:p>
+            <a:r>
+              <a:rPr lang="en-US" smtClean="0"/>
+              <a:t> [Internal Use] for Check Point employees​</a:t>
+            </a:r>
             <a:endParaRPr lang="en-US"/>
           </a:p>
         </p:txBody>
@@ -1304,7 +1330,7 @@
   <p:clrMapOvr>
     <a:masterClrMapping/>
   </p:clrMapOvr>
-  <p:hf sldNum="0" hdr="0" ftr="0" dt="0"/>
+  <p:hf sldNum="0" hdr="0" dt="0"/>
 </p:sldLayout>
 </file>
 
@@ -1622,7 +1648,7 @@
       </p:sp>
       <p:sp>
         <p:nvSpPr>
-          <p:cNvPr id="8" name="Footer Placeholder 7" hidden="1"/>
+          <p:cNvPr id="8" name="Footer Placeholder 7"/>
           <p:cNvSpPr>
             <a:spLocks noGrp="1"/>
           </p:cNvSpPr>
@@ -1635,6 +1661,10 @@
           <a:bodyPr/>
           <a:lstStyle/>
           <a:p>
+            <a:r>
+              <a:rPr lang="en-US" smtClean="0"/>
+              <a:t> [Internal Use] for Check Point employees​</a:t>
+            </a:r>
             <a:endParaRPr lang="en-US"/>
           </a:p>
         </p:txBody>
@@ -1672,7 +1702,7 @@
   <p:clrMapOvr>
     <a:masterClrMapping/>
   </p:clrMapOvr>
-  <p:hf sldNum="0" hdr="0" ftr="0" dt="0"/>
+  <p:hf sldNum="0" hdr="0" dt="0"/>
 </p:sldLayout>
 </file>
 
@@ -1741,7 +1771,7 @@
       </p:sp>
       <p:sp>
         <p:nvSpPr>
-          <p:cNvPr id="4" name="Footer Placeholder 3" hidden="1"/>
+          <p:cNvPr id="4" name="Footer Placeholder 3"/>
           <p:cNvSpPr>
             <a:spLocks noGrp="1"/>
           </p:cNvSpPr>
@@ -1754,6 +1784,10 @@
           <a:bodyPr/>
           <a:lstStyle/>
           <a:p>
+            <a:r>
+              <a:rPr lang="en-US" smtClean="0"/>
+              <a:t> [Internal Use] for Check Point employees​</a:t>
+            </a:r>
             <a:endParaRPr lang="en-US"/>
           </a:p>
         </p:txBody>
@@ -1791,7 +1825,7 @@
   <p:clrMapOvr>
     <a:masterClrMapping/>
   </p:clrMapOvr>
-  <p:hf sldNum="0" hdr="0" ftr="0" dt="0"/>
+  <p:hf sldNum="0" hdr="0" dt="0"/>
 </p:sldLayout>
 </file>
 
@@ -1837,7 +1871,7 @@
       </p:sp>
       <p:sp>
         <p:nvSpPr>
-          <p:cNvPr id="3" name="Footer Placeholder 2" hidden="1"/>
+          <p:cNvPr id="3" name="Footer Placeholder 2"/>
           <p:cNvSpPr>
             <a:spLocks noGrp="1"/>
           </p:cNvSpPr>
@@ -1850,6 +1884,10 @@
           <a:bodyPr/>
           <a:lstStyle/>
           <a:p>
+            <a:r>
+              <a:rPr lang="en-US" smtClean="0"/>
+              <a:t> [Internal Use] for Check Point employees​</a:t>
+            </a:r>
             <a:endParaRPr lang="en-US"/>
           </a:p>
         </p:txBody>
@@ -1887,7 +1925,7 @@
   <p:clrMapOvr>
     <a:masterClrMapping/>
   </p:clrMapOvr>
-  <p:hf sldNum="0" hdr="0" ftr="0" dt="0"/>
+  <p:hf sldNum="0" hdr="0" dt="0"/>
 </p:sldLayout>
 </file>
 
@@ -2115,7 +2153,7 @@
       </p:sp>
       <p:sp>
         <p:nvSpPr>
-          <p:cNvPr id="6" name="Footer Placeholder 5" hidden="1"/>
+          <p:cNvPr id="6" name="Footer Placeholder 5"/>
           <p:cNvSpPr>
             <a:spLocks noGrp="1"/>
           </p:cNvSpPr>
@@ -2128,6 +2166,10 @@
           <a:bodyPr/>
           <a:lstStyle/>
           <a:p>
+            <a:r>
+              <a:rPr lang="en-US" smtClean="0"/>
+              <a:t> [Internal Use] for Check Point employees​</a:t>
+            </a:r>
             <a:endParaRPr lang="en-US"/>
           </a:p>
         </p:txBody>
@@ -2165,7 +2207,7 @@
   <p:clrMapOvr>
     <a:masterClrMapping/>
   </p:clrMapOvr>
-  <p:hf sldNum="0" hdr="0" ftr="0" dt="0"/>
+  <p:hf sldNum="0" hdr="0" dt="0"/>
 </p:sldLayout>
 </file>
 
@@ -2369,7 +2411,7 @@
       </p:sp>
       <p:sp>
         <p:nvSpPr>
-          <p:cNvPr id="6" name="Footer Placeholder 5" hidden="1"/>
+          <p:cNvPr id="6" name="Footer Placeholder 5"/>
           <p:cNvSpPr>
             <a:spLocks noGrp="1"/>
           </p:cNvSpPr>
@@ -2382,6 +2424,10 @@
           <a:bodyPr/>
           <a:lstStyle/>
           <a:p>
+            <a:r>
+              <a:rPr lang="en-US" smtClean="0"/>
+              <a:t> [Internal Use] for Check Point employees​</a:t>
+            </a:r>
             <a:endParaRPr lang="en-US"/>
           </a:p>
         </p:txBody>
@@ -2419,7 +2465,7 @@
   <p:clrMapOvr>
     <a:masterClrMapping/>
   </p:clrMapOvr>
-  <p:hf sldNum="0" hdr="0" ftr="0" dt="0"/>
+  <p:hf sldNum="0" hdr="0" dt="0"/>
 </p:sldLayout>
 </file>
 
@@ -2583,7 +2629,7 @@
       </p:sp>
       <p:sp>
         <p:nvSpPr>
-          <p:cNvPr id="5" name="Footer Placeholder 4" hidden="1"/>
+          <p:cNvPr id="5" name="Footer Placeholder 4"/>
           <p:cNvSpPr>
             <a:spLocks noGrp="1"/>
           </p:cNvSpPr>
@@ -2614,6 +2660,10 @@
             </a:lvl1pPr>
           </a:lstStyle>
           <a:p>
+            <a:r>
+              <a:rPr lang="en-US" smtClean="0"/>
+              <a:t> [Internal Use] for Check Point employees​</a:t>
+            </a:r>
             <a:endParaRPr lang="en-US"/>
           </a:p>
         </p:txBody>
@@ -2680,7 +2730,7 @@
     <p:sldLayoutId id="2147483658" r:id="rId10"/>
     <p:sldLayoutId id="2147483659" r:id="rId11"/>
   </p:sldLayoutIdLst>
-  <p:hf sldNum="0" hdr="0" ftr="0" dt="0"/>
+  <p:hf sldNum="0" hdr="0" dt="0"/>
   <p:txStyles>
     <p:titleStyle>
       <a:lvl1pPr algn="l" defTabSz="914400" rtl="0" eaLnBrk="1" latinLnBrk="0" hangingPunct="1">
@@ -3019,8 +3069,8 @@
         </p:nvSpPr>
         <p:spPr>
           <a:xfrm>
-            <a:off x="2468878" y="4239491"/>
-            <a:ext cx="673331" cy="507076"/>
+            <a:off x="2468878" y="3782291"/>
+            <a:ext cx="673331" cy="964276"/>
           </a:xfrm>
           <a:prstGeom prst="rect">
             <a:avLst/>
@@ -3065,8 +3115,8 @@
         </p:nvSpPr>
         <p:spPr>
           <a:xfrm>
-            <a:off x="2464719" y="1873140"/>
-            <a:ext cx="673331" cy="507076"/>
+            <a:off x="2464719" y="1404851"/>
+            <a:ext cx="673331" cy="975365"/>
           </a:xfrm>
           <a:prstGeom prst="rect">
             <a:avLst/>
@@ -3274,7 +3324,7 @@
           <a:p>
             <a:pPr algn="ctr"/>
             <a:r>
-              <a:rPr lang="fr-FR" sz="1550" b="1" smtClean="0">
+              <a:rPr lang="fr-FR" sz="1550" b="1" dirty="0" smtClean="0">
                 <a:latin typeface="Courier New" panose="02070309020205020404" pitchFamily="49" charset="0"/>
                 <a:cs typeface="Courier New" panose="02070309020205020404" pitchFamily="49" charset="0"/>
               </a:rPr>
@@ -3949,10 +3999,1045 @@
           </a:p>
         </p:txBody>
       </p:sp>
+      <p:sp>
+        <p:nvSpPr>
+          <p:cNvPr id="3" name="Date Placeholder 2" hidden="1"/>
+          <p:cNvSpPr>
+            <a:spLocks noGrp="1"/>
+          </p:cNvSpPr>
+          <p:nvPr>
+            <p:ph type="dt" sz="half" idx="10"/>
+          </p:nvPr>
+        </p:nvSpPr>
+        <p:spPr/>
+        <p:txBody>
+          <a:bodyPr/>
+          <a:lstStyle/>
+          <a:p>
+            <a:endParaRPr lang="en-US"/>
+          </a:p>
+        </p:txBody>
+      </p:sp>
     </p:spTree>
     <p:extLst>
       <p:ext uri="{BB962C8B-B14F-4D97-AF65-F5344CB8AC3E}">
         <p14:creationId xmlns:p14="http://schemas.microsoft.com/office/powerpoint/2010/main" val="32123444"/>
+      </p:ext>
+    </p:extLst>
+  </p:cSld>
+  <p:clrMapOvr>
+    <a:masterClrMapping/>
+  </p:clrMapOvr>
+</p:sld>
+</file>
+
+<file path=ppt/slides/slide2.xml><?xml version="1.0" encoding="utf-8"?>
+<p:sld xmlns:a="http://schemas.openxmlformats.org/drawingml/2006/main" xmlns:r="http://schemas.openxmlformats.org/officeDocument/2006/relationships" xmlns:p="http://schemas.openxmlformats.org/presentationml/2006/main">
+  <p:cSld>
+    <p:spTree>
+      <p:nvGrpSpPr>
+        <p:cNvPr id="1" name=""/>
+        <p:cNvGrpSpPr/>
+        <p:nvPr/>
+      </p:nvGrpSpPr>
+      <p:grpSpPr>
+        <a:xfrm>
+          <a:off x="0" y="0"/>
+          <a:ext cx="0" cy="0"/>
+          <a:chOff x="0" y="0"/>
+          <a:chExt cx="0" cy="0"/>
+        </a:xfrm>
+      </p:grpSpPr>
+      <p:pic>
+        <p:nvPicPr>
+          <p:cNvPr id="1026" name="Picture 2" descr="https://ae01.alicdn.com/kf/He98ef066fc124968be773e6d203614dbB.jpg"/>
+          <p:cNvPicPr>
+            <a:picLocks noChangeAspect="1" noChangeArrowheads="1"/>
+          </p:cNvPicPr>
+          <p:nvPr/>
+        </p:nvPicPr>
+        <p:blipFill>
+          <a:blip r:embed="rId2">
+            <a:extLst>
+              <a:ext uri="{28A0092B-C50C-407E-A947-70E740481C1C}">
+                <a14:useLocalDpi xmlns:a14="http://schemas.microsoft.com/office/drawing/2010/main" val="0"/>
+              </a:ext>
+            </a:extLst>
+          </a:blip>
+          <a:srcRect/>
+          <a:stretch>
+            <a:fillRect/>
+          </a:stretch>
+        </p:blipFill>
+        <p:spPr bwMode="auto">
+          <a:xfrm>
+            <a:off x="2913553" y="393700"/>
+            <a:ext cx="6096462" cy="6096462"/>
+          </a:xfrm>
+          <a:prstGeom prst="rect">
+            <a:avLst/>
+          </a:prstGeom>
+          <a:noFill/>
+          <a:extLst>
+            <a:ext uri="{909E8E84-426E-40DD-AFC4-6F175D3DCCD1}">
+              <a14:hiddenFill xmlns:a14="http://schemas.microsoft.com/office/drawing/2010/main">
+                <a:solidFill>
+                  <a:srgbClr val="FFFFFF"/>
+                </a:solidFill>
+              </a14:hiddenFill>
+            </a:ext>
+          </a:extLst>
+        </p:spPr>
+      </p:pic>
+    </p:spTree>
+    <p:extLst>
+      <p:ext uri="{BB962C8B-B14F-4D97-AF65-F5344CB8AC3E}">
+        <p14:creationId xmlns:p14="http://schemas.microsoft.com/office/powerpoint/2010/main" val="1485257358"/>
+      </p:ext>
+    </p:extLst>
+  </p:cSld>
+  <p:clrMapOvr>
+    <a:masterClrMapping/>
+  </p:clrMapOvr>
+</p:sld>
+</file>
+
+<file path=ppt/slides/slide3.xml><?xml version="1.0" encoding="utf-8"?>
+<p:sld xmlns:a="http://schemas.openxmlformats.org/drawingml/2006/main" xmlns:r="http://schemas.openxmlformats.org/officeDocument/2006/relationships" xmlns:p="http://schemas.openxmlformats.org/presentationml/2006/main">
+  <p:cSld>
+    <p:spTree>
+      <p:nvGrpSpPr>
+        <p:cNvPr id="1" name=""/>
+        <p:cNvGrpSpPr/>
+        <p:nvPr/>
+      </p:nvGrpSpPr>
+      <p:grpSpPr>
+        <a:xfrm>
+          <a:off x="0" y="0"/>
+          <a:ext cx="0" cy="0"/>
+          <a:chOff x="0" y="0"/>
+          <a:chExt cx="0" cy="0"/>
+        </a:xfrm>
+      </p:grpSpPr>
+      <p:sp>
+        <p:nvSpPr>
+          <p:cNvPr id="5" name="Rectangle 4"/>
+          <p:cNvSpPr/>
+          <p:nvPr/>
+        </p:nvSpPr>
+        <p:spPr>
+          <a:xfrm>
+            <a:off x="2895600" y="1590675"/>
+            <a:ext cx="7553325" cy="4343400"/>
+          </a:xfrm>
+          <a:prstGeom prst="rect">
+            <a:avLst/>
+          </a:prstGeom>
+        </p:spPr>
+        <p:style>
+          <a:lnRef idx="2">
+            <a:schemeClr val="accent1">
+              <a:shade val="50000"/>
+            </a:schemeClr>
+          </a:lnRef>
+          <a:fillRef idx="1">
+            <a:schemeClr val="accent1"/>
+          </a:fillRef>
+          <a:effectRef idx="0">
+            <a:schemeClr val="accent1"/>
+          </a:effectRef>
+          <a:fontRef idx="minor">
+            <a:schemeClr val="lt1"/>
+          </a:fontRef>
+        </p:style>
+        <p:txBody>
+          <a:bodyPr rtlCol="0" anchor="ctr"/>
+          <a:lstStyle/>
+          <a:p>
+            <a:pPr algn="ctr"/>
+            <a:endParaRPr lang="en-US"/>
+          </a:p>
+        </p:txBody>
+      </p:sp>
+      <p:pic>
+        <p:nvPicPr>
+          <p:cNvPr id="7" name="Picture 6"/>
+          <p:cNvPicPr>
+            <a:picLocks noChangeAspect="1"/>
+          </p:cNvPicPr>
+          <p:nvPr/>
+        </p:nvPicPr>
+        <p:blipFill rotWithShape="1">
+          <a:blip r:embed="rId2">
+            <a:extLst>
+              <a:ext uri="{28A0092B-C50C-407E-A947-70E740481C1C}">
+                <a14:useLocalDpi xmlns:a14="http://schemas.microsoft.com/office/drawing/2010/main" val="0"/>
+              </a:ext>
+            </a:extLst>
+          </a:blip>
+          <a:srcRect l="36140" r="36390" b="11476"/>
+          <a:stretch/>
+        </p:blipFill>
+        <p:spPr>
+          <a:xfrm rot="16200000">
+            <a:off x="5995411" y="2247324"/>
+            <a:ext cx="1353702" cy="3181350"/>
+          </a:xfrm>
+          <a:prstGeom prst="rect">
+            <a:avLst/>
+          </a:prstGeom>
+        </p:spPr>
+      </p:pic>
+      <p:sp>
+        <p:nvSpPr>
+          <p:cNvPr id="8" name="TextBox 7"/>
+          <p:cNvSpPr txBox="1"/>
+          <p:nvPr/>
+        </p:nvSpPr>
+        <p:spPr>
+          <a:xfrm rot="16200000">
+            <a:off x="6055927" y="3532712"/>
+            <a:ext cx="1339174" cy="3170099"/>
+          </a:xfrm>
+          <a:prstGeom prst="rect">
+            <a:avLst/>
+          </a:prstGeom>
+          <a:noFill/>
+        </p:spPr>
+        <p:txBody>
+          <a:bodyPr wrap="square" rtlCol="0">
+            <a:spAutoFit/>
+          </a:bodyPr>
+          <a:lstStyle/>
+          <a:p>
+            <a:r>
+              <a:rPr lang="fr-FR" sz="980" b="1" dirty="0" smtClean="0">
+                <a:latin typeface="Courier New" panose="02070309020205020404" pitchFamily="49" charset="0"/>
+                <a:cs typeface="Courier New" panose="02070309020205020404" pitchFamily="49" charset="0"/>
+              </a:rPr>
+              <a:t>GP00 | </a:t>
+            </a:r>
+            <a:r>
+              <a:rPr lang="fr-FR" sz="980" b="1" dirty="0" smtClean="0">
+                <a:solidFill>
+                  <a:srgbClr val="FF0000"/>
+                </a:solidFill>
+                <a:latin typeface="Courier New" panose="02070309020205020404" pitchFamily="49" charset="0"/>
+                <a:cs typeface="Courier New" panose="02070309020205020404" pitchFamily="49" charset="0"/>
+              </a:rPr>
+              <a:t>TeleI0</a:t>
+            </a:r>
+          </a:p>
+          <a:p>
+            <a:r>
+              <a:rPr lang="fr-FR" sz="980" b="1" dirty="0" smtClean="0">
+                <a:latin typeface="Courier New" panose="02070309020205020404" pitchFamily="49" charset="0"/>
+                <a:cs typeface="Courier New" panose="02070309020205020404" pitchFamily="49" charset="0"/>
+              </a:rPr>
+              <a:t>GP01 </a:t>
+            </a:r>
+            <a:r>
+              <a:rPr lang="fr-FR" sz="980" b="1" dirty="0">
+                <a:latin typeface="Courier New" panose="02070309020205020404" pitchFamily="49" charset="0"/>
+                <a:cs typeface="Courier New" panose="02070309020205020404" pitchFamily="49" charset="0"/>
+              </a:rPr>
+              <a:t>| </a:t>
+            </a:r>
+            <a:r>
+              <a:rPr lang="fr-FR" sz="980" b="1" dirty="0" smtClean="0">
+                <a:solidFill>
+                  <a:srgbClr val="FF0000"/>
+                </a:solidFill>
+                <a:latin typeface="Courier New" panose="02070309020205020404" pitchFamily="49" charset="0"/>
+                <a:cs typeface="Courier New" panose="02070309020205020404" pitchFamily="49" charset="0"/>
+              </a:rPr>
+              <a:t>TeleI1</a:t>
+            </a:r>
+          </a:p>
+          <a:p>
+            <a:pPr algn="ctr"/>
+            <a:r>
+              <a:rPr lang="fr-FR" sz="980" b="1" dirty="0" smtClean="0">
+                <a:latin typeface="Courier New" panose="02070309020205020404" pitchFamily="49" charset="0"/>
+                <a:cs typeface="Courier New" panose="02070309020205020404" pitchFamily="49" charset="0"/>
+              </a:rPr>
+              <a:t>GND</a:t>
+            </a:r>
+          </a:p>
+          <a:p>
+            <a:r>
+              <a:rPr lang="fr-FR" sz="980" b="1" dirty="0" smtClean="0">
+                <a:latin typeface="Courier New" panose="02070309020205020404" pitchFamily="49" charset="0"/>
+                <a:cs typeface="Courier New" panose="02070309020205020404" pitchFamily="49" charset="0"/>
+              </a:rPr>
+              <a:t>GP02 |</a:t>
+            </a:r>
+            <a:endParaRPr lang="fr-FR" sz="980" b="1" dirty="0" smtClean="0">
+              <a:solidFill>
+                <a:srgbClr val="FF0000"/>
+              </a:solidFill>
+              <a:latin typeface="Courier New" panose="02070309020205020404" pitchFamily="49" charset="0"/>
+              <a:cs typeface="Courier New" panose="02070309020205020404" pitchFamily="49" charset="0"/>
+            </a:endParaRPr>
+          </a:p>
+          <a:p>
+            <a:r>
+              <a:rPr lang="fr-FR" sz="980" b="1" dirty="0" smtClean="0">
+                <a:latin typeface="Courier New" panose="02070309020205020404" pitchFamily="49" charset="0"/>
+                <a:cs typeface="Courier New" panose="02070309020205020404" pitchFamily="49" charset="0"/>
+              </a:rPr>
+              <a:t>GP03 |</a:t>
+            </a:r>
+            <a:endParaRPr lang="fr-FR" sz="980" b="1" dirty="0" smtClean="0">
+              <a:solidFill>
+                <a:srgbClr val="FF0000"/>
+              </a:solidFill>
+              <a:latin typeface="Courier New" panose="02070309020205020404" pitchFamily="49" charset="0"/>
+              <a:cs typeface="Courier New" panose="02070309020205020404" pitchFamily="49" charset="0"/>
+            </a:endParaRPr>
+          </a:p>
+          <a:p>
+            <a:r>
+              <a:rPr lang="fr-FR" sz="980" b="1" dirty="0" smtClean="0">
+                <a:latin typeface="Courier New" panose="02070309020205020404" pitchFamily="49" charset="0"/>
+                <a:cs typeface="Courier New" panose="02070309020205020404" pitchFamily="49" charset="0"/>
+              </a:rPr>
+              <a:t>GP04 |</a:t>
+            </a:r>
+            <a:r>
+              <a:rPr lang="fr-FR" sz="980" b="1" dirty="0">
+                <a:latin typeface="Courier New" panose="02070309020205020404" pitchFamily="49" charset="0"/>
+                <a:cs typeface="Courier New" panose="02070309020205020404" pitchFamily="49" charset="0"/>
+              </a:rPr>
+              <a:t> </a:t>
+            </a:r>
+            <a:r>
+              <a:rPr lang="fr-FR" sz="980" b="1" dirty="0" smtClean="0">
+                <a:latin typeface="Courier New" panose="02070309020205020404" pitchFamily="49" charset="0"/>
+                <a:cs typeface="Courier New" panose="02070309020205020404" pitchFamily="49" charset="0"/>
+              </a:rPr>
+              <a:t>UART1-TX</a:t>
+            </a:r>
+            <a:endParaRPr lang="fr-FR" sz="980" b="1" dirty="0" smtClean="0">
+              <a:solidFill>
+                <a:srgbClr val="FF0000"/>
+              </a:solidFill>
+              <a:latin typeface="Courier New" panose="02070309020205020404" pitchFamily="49" charset="0"/>
+              <a:cs typeface="Courier New" panose="02070309020205020404" pitchFamily="49" charset="0"/>
+            </a:endParaRPr>
+          </a:p>
+          <a:p>
+            <a:r>
+              <a:rPr lang="fr-FR" sz="980" b="1" dirty="0" smtClean="0">
+                <a:latin typeface="Courier New" panose="02070309020205020404" pitchFamily="49" charset="0"/>
+                <a:cs typeface="Courier New" panose="02070309020205020404" pitchFamily="49" charset="0"/>
+              </a:rPr>
+              <a:t>GP05 |</a:t>
+            </a:r>
+            <a:r>
+              <a:rPr lang="fr-FR" sz="980" b="1" dirty="0">
+                <a:latin typeface="Courier New" panose="02070309020205020404" pitchFamily="49" charset="0"/>
+                <a:cs typeface="Courier New" panose="02070309020205020404" pitchFamily="49" charset="0"/>
+              </a:rPr>
+              <a:t> </a:t>
+            </a:r>
+            <a:r>
+              <a:rPr lang="fr-FR" sz="980" b="1" dirty="0" smtClean="0">
+                <a:latin typeface="Courier New" panose="02070309020205020404" pitchFamily="49" charset="0"/>
+                <a:cs typeface="Courier New" panose="02070309020205020404" pitchFamily="49" charset="0"/>
+              </a:rPr>
+              <a:t>UART1-RX</a:t>
+            </a:r>
+            <a:endParaRPr lang="fr-FR" sz="980" b="1" dirty="0" smtClean="0">
+              <a:solidFill>
+                <a:srgbClr val="FF0000"/>
+              </a:solidFill>
+              <a:latin typeface="Courier New" panose="02070309020205020404" pitchFamily="49" charset="0"/>
+              <a:cs typeface="Courier New" panose="02070309020205020404" pitchFamily="49" charset="0"/>
+            </a:endParaRPr>
+          </a:p>
+          <a:p>
+            <a:pPr algn="ctr"/>
+            <a:r>
+              <a:rPr lang="fr-FR" sz="980" b="1" dirty="0" smtClean="0">
+                <a:latin typeface="Courier New" panose="02070309020205020404" pitchFamily="49" charset="0"/>
+                <a:cs typeface="Courier New" panose="02070309020205020404" pitchFamily="49" charset="0"/>
+              </a:rPr>
+              <a:t>GND</a:t>
+            </a:r>
+            <a:endParaRPr lang="fr-FR" sz="980" b="1" dirty="0">
+              <a:latin typeface="Courier New" panose="02070309020205020404" pitchFamily="49" charset="0"/>
+              <a:cs typeface="Courier New" panose="02070309020205020404" pitchFamily="49" charset="0"/>
+            </a:endParaRPr>
+          </a:p>
+          <a:p>
+            <a:r>
+              <a:rPr lang="fr-FR" sz="980" b="1" dirty="0" smtClean="0">
+                <a:latin typeface="Courier New" panose="02070309020205020404" pitchFamily="49" charset="0"/>
+                <a:cs typeface="Courier New" panose="02070309020205020404" pitchFamily="49" charset="0"/>
+              </a:rPr>
+              <a:t>GP06 |</a:t>
+            </a:r>
+            <a:r>
+              <a:rPr lang="fr-FR" sz="980" b="1" dirty="0">
+                <a:solidFill>
+                  <a:srgbClr val="FF0000"/>
+                </a:solidFill>
+                <a:latin typeface="Courier New" panose="02070309020205020404" pitchFamily="49" charset="0"/>
+                <a:cs typeface="Courier New" panose="02070309020205020404" pitchFamily="49" charset="0"/>
+              </a:rPr>
+              <a:t> </a:t>
+            </a:r>
+            <a:r>
+              <a:rPr lang="fr-FR" sz="980" b="1" dirty="0" smtClean="0">
+                <a:solidFill>
+                  <a:srgbClr val="FF0000"/>
+                </a:solidFill>
+                <a:latin typeface="Courier New" panose="02070309020205020404" pitchFamily="49" charset="0"/>
+                <a:cs typeface="Courier New" panose="02070309020205020404" pitchFamily="49" charset="0"/>
+              </a:rPr>
+              <a:t>TeleI2</a:t>
+            </a:r>
+            <a:endParaRPr lang="fr-FR" sz="980" b="1" dirty="0" smtClean="0">
+              <a:latin typeface="Courier New" panose="02070309020205020404" pitchFamily="49" charset="0"/>
+              <a:cs typeface="Courier New" panose="02070309020205020404" pitchFamily="49" charset="0"/>
+            </a:endParaRPr>
+          </a:p>
+          <a:p>
+            <a:r>
+              <a:rPr lang="fr-FR" sz="980" b="1" dirty="0" smtClean="0">
+                <a:latin typeface="Courier New" panose="02070309020205020404" pitchFamily="49" charset="0"/>
+                <a:cs typeface="Courier New" panose="02070309020205020404" pitchFamily="49" charset="0"/>
+              </a:rPr>
+              <a:t>GP07 |</a:t>
+            </a:r>
+            <a:r>
+              <a:rPr lang="fr-FR" sz="980" b="1" dirty="0">
+                <a:solidFill>
+                  <a:srgbClr val="FF0000"/>
+                </a:solidFill>
+                <a:latin typeface="Courier New" panose="02070309020205020404" pitchFamily="49" charset="0"/>
+                <a:cs typeface="Courier New" panose="02070309020205020404" pitchFamily="49" charset="0"/>
+              </a:rPr>
+              <a:t> </a:t>
+            </a:r>
+            <a:r>
+              <a:rPr lang="fr-FR" sz="980" b="1" dirty="0" smtClean="0">
+                <a:solidFill>
+                  <a:srgbClr val="FF0000"/>
+                </a:solidFill>
+                <a:latin typeface="Courier New" panose="02070309020205020404" pitchFamily="49" charset="0"/>
+                <a:cs typeface="Courier New" panose="02070309020205020404" pitchFamily="49" charset="0"/>
+              </a:rPr>
+              <a:t>TeleI3</a:t>
+            </a:r>
+            <a:endParaRPr lang="fr-FR" sz="980" b="1" dirty="0">
+              <a:latin typeface="Courier New" panose="02070309020205020404" pitchFamily="49" charset="0"/>
+              <a:cs typeface="Courier New" panose="02070309020205020404" pitchFamily="49" charset="0"/>
+            </a:endParaRPr>
+          </a:p>
+          <a:p>
+            <a:r>
+              <a:rPr lang="fr-FR" sz="980" b="1" dirty="0" smtClean="0">
+                <a:latin typeface="Courier New" panose="02070309020205020404" pitchFamily="49" charset="0"/>
+                <a:cs typeface="Courier New" panose="02070309020205020404" pitchFamily="49" charset="0"/>
+              </a:rPr>
+              <a:t>GP08 </a:t>
+            </a:r>
+            <a:r>
+              <a:rPr lang="fr-FR" sz="980" b="1" dirty="0">
+                <a:latin typeface="Courier New" panose="02070309020205020404" pitchFamily="49" charset="0"/>
+                <a:cs typeface="Courier New" panose="02070309020205020404" pitchFamily="49" charset="0"/>
+              </a:rPr>
+              <a:t>| </a:t>
+            </a:r>
+            <a:r>
+              <a:rPr lang="fr-FR" sz="980" b="1" dirty="0" smtClean="0">
+                <a:solidFill>
+                  <a:srgbClr val="FF0000"/>
+                </a:solidFill>
+                <a:latin typeface="Courier New" panose="02070309020205020404" pitchFamily="49" charset="0"/>
+                <a:cs typeface="Courier New" panose="02070309020205020404" pitchFamily="49" charset="0"/>
+              </a:rPr>
+              <a:t>TeleI4</a:t>
+            </a:r>
+            <a:endParaRPr lang="fr-FR" sz="980" b="1" dirty="0" smtClean="0">
+              <a:latin typeface="Courier New" panose="02070309020205020404" pitchFamily="49" charset="0"/>
+              <a:cs typeface="Courier New" panose="02070309020205020404" pitchFamily="49" charset="0"/>
+            </a:endParaRPr>
+          </a:p>
+          <a:p>
+            <a:r>
+              <a:rPr lang="fr-FR" sz="980" b="1" dirty="0" smtClean="0">
+                <a:latin typeface="Courier New" panose="02070309020205020404" pitchFamily="49" charset="0"/>
+                <a:cs typeface="Courier New" panose="02070309020205020404" pitchFamily="49" charset="0"/>
+              </a:rPr>
+              <a:t>GP09 </a:t>
+            </a:r>
+            <a:r>
+              <a:rPr lang="fr-FR" sz="980" b="1" dirty="0">
+                <a:latin typeface="Courier New" panose="02070309020205020404" pitchFamily="49" charset="0"/>
+                <a:cs typeface="Courier New" panose="02070309020205020404" pitchFamily="49" charset="0"/>
+              </a:rPr>
+              <a:t>| </a:t>
+            </a:r>
+            <a:r>
+              <a:rPr lang="fr-FR" sz="980" b="1" dirty="0" smtClean="0">
+                <a:solidFill>
+                  <a:srgbClr val="FF0000"/>
+                </a:solidFill>
+                <a:latin typeface="Courier New" panose="02070309020205020404" pitchFamily="49" charset="0"/>
+                <a:cs typeface="Courier New" panose="02070309020205020404" pitchFamily="49" charset="0"/>
+              </a:rPr>
+              <a:t>TeleI5</a:t>
+            </a:r>
+            <a:endParaRPr lang="fr-FR" sz="980" b="1" dirty="0">
+              <a:latin typeface="Courier New" panose="02070309020205020404" pitchFamily="49" charset="0"/>
+              <a:cs typeface="Courier New" panose="02070309020205020404" pitchFamily="49" charset="0"/>
+            </a:endParaRPr>
+          </a:p>
+          <a:p>
+            <a:pPr algn="ctr"/>
+            <a:r>
+              <a:rPr lang="fr-FR" sz="980" b="1" dirty="0" smtClean="0">
+                <a:latin typeface="Courier New" panose="02070309020205020404" pitchFamily="49" charset="0"/>
+                <a:cs typeface="Courier New" panose="02070309020205020404" pitchFamily="49" charset="0"/>
+              </a:rPr>
+              <a:t>GND</a:t>
+            </a:r>
+          </a:p>
+          <a:p>
+            <a:r>
+              <a:rPr lang="fr-FR" sz="980" b="1" dirty="0" smtClean="0">
+                <a:latin typeface="Courier New" panose="02070309020205020404" pitchFamily="49" charset="0"/>
+                <a:cs typeface="Courier New" panose="02070309020205020404" pitchFamily="49" charset="0"/>
+              </a:rPr>
+              <a:t>GP10 </a:t>
+            </a:r>
+            <a:r>
+              <a:rPr lang="fr-FR" sz="980" b="1" dirty="0">
+                <a:latin typeface="Courier New" panose="02070309020205020404" pitchFamily="49" charset="0"/>
+                <a:cs typeface="Courier New" panose="02070309020205020404" pitchFamily="49" charset="0"/>
+              </a:rPr>
+              <a:t>|</a:t>
+            </a:r>
+            <a:endParaRPr lang="fr-FR" sz="980" b="1" dirty="0" smtClean="0">
+              <a:latin typeface="Courier New" panose="02070309020205020404" pitchFamily="49" charset="0"/>
+              <a:cs typeface="Courier New" panose="02070309020205020404" pitchFamily="49" charset="0"/>
+            </a:endParaRPr>
+          </a:p>
+          <a:p>
+            <a:r>
+              <a:rPr lang="fr-FR" sz="980" b="1" dirty="0" smtClean="0">
+                <a:latin typeface="Courier New" panose="02070309020205020404" pitchFamily="49" charset="0"/>
+                <a:cs typeface="Courier New" panose="02070309020205020404" pitchFamily="49" charset="0"/>
+              </a:rPr>
+              <a:t>GP11 </a:t>
+            </a:r>
+            <a:r>
+              <a:rPr lang="fr-FR" sz="980" b="1" dirty="0">
+                <a:latin typeface="Courier New" panose="02070309020205020404" pitchFamily="49" charset="0"/>
+                <a:cs typeface="Courier New" panose="02070309020205020404" pitchFamily="49" charset="0"/>
+              </a:rPr>
+              <a:t>|</a:t>
+            </a:r>
+            <a:endParaRPr lang="fr-FR" sz="980" b="1" dirty="0" smtClean="0">
+              <a:latin typeface="Courier New" panose="02070309020205020404" pitchFamily="49" charset="0"/>
+              <a:cs typeface="Courier New" panose="02070309020205020404" pitchFamily="49" charset="0"/>
+            </a:endParaRPr>
+          </a:p>
+          <a:p>
+            <a:r>
+              <a:rPr lang="fr-FR" sz="980" b="1" dirty="0" smtClean="0">
+                <a:latin typeface="Courier New" panose="02070309020205020404" pitchFamily="49" charset="0"/>
+                <a:cs typeface="Courier New" panose="02070309020205020404" pitchFamily="49" charset="0"/>
+              </a:rPr>
+              <a:t>GP12 </a:t>
+            </a:r>
+            <a:r>
+              <a:rPr lang="fr-FR" sz="980" b="1" dirty="0">
+                <a:latin typeface="Courier New" panose="02070309020205020404" pitchFamily="49" charset="0"/>
+                <a:cs typeface="Courier New" panose="02070309020205020404" pitchFamily="49" charset="0"/>
+              </a:rPr>
+              <a:t>| </a:t>
+            </a:r>
+            <a:r>
+              <a:rPr lang="fr-FR" sz="980" b="1" dirty="0" smtClean="0">
+                <a:latin typeface="Courier New" panose="02070309020205020404" pitchFamily="49" charset="0"/>
+                <a:cs typeface="Courier New" panose="02070309020205020404" pitchFamily="49" charset="0"/>
+              </a:rPr>
+              <a:t>UART0-TX</a:t>
+            </a:r>
+            <a:endParaRPr lang="fr-FR" sz="980" b="1" dirty="0">
+              <a:latin typeface="Courier New" panose="02070309020205020404" pitchFamily="49" charset="0"/>
+              <a:cs typeface="Courier New" panose="02070309020205020404" pitchFamily="49" charset="0"/>
+            </a:endParaRPr>
+          </a:p>
+          <a:p>
+            <a:r>
+              <a:rPr lang="fr-FR" sz="980" b="1" dirty="0" smtClean="0">
+                <a:latin typeface="Courier New" panose="02070309020205020404" pitchFamily="49" charset="0"/>
+                <a:cs typeface="Courier New" panose="02070309020205020404" pitchFamily="49" charset="0"/>
+              </a:rPr>
+              <a:t>GP13 </a:t>
+            </a:r>
+            <a:r>
+              <a:rPr lang="fr-FR" sz="980" b="1" dirty="0">
+                <a:latin typeface="Courier New" panose="02070309020205020404" pitchFamily="49" charset="0"/>
+                <a:cs typeface="Courier New" panose="02070309020205020404" pitchFamily="49" charset="0"/>
+              </a:rPr>
+              <a:t>| </a:t>
+            </a:r>
+            <a:r>
+              <a:rPr lang="fr-FR" sz="980" b="1" dirty="0" smtClean="0">
+                <a:latin typeface="Courier New" panose="02070309020205020404" pitchFamily="49" charset="0"/>
+                <a:cs typeface="Courier New" panose="02070309020205020404" pitchFamily="49" charset="0"/>
+              </a:rPr>
+              <a:t>UART0-RX</a:t>
+            </a:r>
+          </a:p>
+          <a:p>
+            <a:pPr algn="ctr"/>
+            <a:r>
+              <a:rPr lang="fr-FR" sz="980" b="1" dirty="0">
+                <a:latin typeface="Courier New" panose="02070309020205020404" pitchFamily="49" charset="0"/>
+                <a:cs typeface="Courier New" panose="02070309020205020404" pitchFamily="49" charset="0"/>
+              </a:rPr>
+              <a:t>GND</a:t>
+            </a:r>
+            <a:endParaRPr lang="fr-FR" sz="980" b="1" dirty="0" smtClean="0">
+              <a:latin typeface="Courier New" panose="02070309020205020404" pitchFamily="49" charset="0"/>
+              <a:cs typeface="Courier New" panose="02070309020205020404" pitchFamily="49" charset="0"/>
+            </a:endParaRPr>
+          </a:p>
+          <a:p>
+            <a:r>
+              <a:rPr lang="fr-FR" sz="980" b="1" dirty="0" smtClean="0">
+                <a:latin typeface="Courier New" panose="02070309020205020404" pitchFamily="49" charset="0"/>
+                <a:cs typeface="Courier New" panose="02070309020205020404" pitchFamily="49" charset="0"/>
+              </a:rPr>
+              <a:t>GP14 </a:t>
+            </a:r>
+            <a:r>
+              <a:rPr lang="fr-FR" sz="980" b="1" dirty="0">
+                <a:latin typeface="Courier New" panose="02070309020205020404" pitchFamily="49" charset="0"/>
+                <a:cs typeface="Courier New" panose="02070309020205020404" pitchFamily="49" charset="0"/>
+              </a:rPr>
+              <a:t>| </a:t>
+            </a:r>
+            <a:r>
+              <a:rPr lang="fr-FR" sz="980" b="1" dirty="0" smtClean="0">
+                <a:solidFill>
+                  <a:srgbClr val="FF0000"/>
+                </a:solidFill>
+                <a:latin typeface="Courier New" panose="02070309020205020404" pitchFamily="49" charset="0"/>
+                <a:cs typeface="Courier New" panose="02070309020205020404" pitchFamily="49" charset="0"/>
+              </a:rPr>
+              <a:t>TeleI6</a:t>
+            </a:r>
+          </a:p>
+          <a:p>
+            <a:r>
+              <a:rPr lang="fr-FR" sz="980" b="1" dirty="0" smtClean="0">
+                <a:latin typeface="Courier New" panose="02070309020205020404" pitchFamily="49" charset="0"/>
+                <a:cs typeface="Courier New" panose="02070309020205020404" pitchFamily="49" charset="0"/>
+              </a:rPr>
+              <a:t>GP15 </a:t>
+            </a:r>
+            <a:r>
+              <a:rPr lang="fr-FR" sz="980" b="1" dirty="0">
+                <a:latin typeface="Courier New" panose="02070309020205020404" pitchFamily="49" charset="0"/>
+                <a:cs typeface="Courier New" panose="02070309020205020404" pitchFamily="49" charset="0"/>
+              </a:rPr>
+              <a:t>| </a:t>
+            </a:r>
+            <a:r>
+              <a:rPr lang="fr-FR" sz="980" b="1" dirty="0" smtClean="0">
+                <a:solidFill>
+                  <a:srgbClr val="FF0000"/>
+                </a:solidFill>
+                <a:latin typeface="Courier New" panose="02070309020205020404" pitchFamily="49" charset="0"/>
+                <a:cs typeface="Courier New" panose="02070309020205020404" pitchFamily="49" charset="0"/>
+              </a:rPr>
+              <a:t>TeleI7</a:t>
+            </a:r>
+            <a:endParaRPr lang="en-US" sz="980" b="1" dirty="0">
+              <a:solidFill>
+                <a:srgbClr val="FF0000"/>
+              </a:solidFill>
+              <a:latin typeface="Courier New" panose="02070309020205020404" pitchFamily="49" charset="0"/>
+              <a:cs typeface="Courier New" panose="02070309020205020404" pitchFamily="49" charset="0"/>
+            </a:endParaRPr>
+          </a:p>
+        </p:txBody>
+      </p:sp>
+      <p:sp>
+        <p:nvSpPr>
+          <p:cNvPr id="9" name="TextBox 8"/>
+          <p:cNvSpPr txBox="1"/>
+          <p:nvPr/>
+        </p:nvSpPr>
+        <p:spPr>
+          <a:xfrm rot="16200000">
+            <a:off x="6221264" y="1119473"/>
+            <a:ext cx="1008497" cy="3170099"/>
+          </a:xfrm>
+          <a:prstGeom prst="rect">
+            <a:avLst/>
+          </a:prstGeom>
+          <a:noFill/>
+        </p:spPr>
+        <p:txBody>
+          <a:bodyPr wrap="square" rtlCol="0">
+            <a:spAutoFit/>
+          </a:bodyPr>
+          <a:lstStyle/>
+          <a:p>
+            <a:r>
+              <a:rPr lang="fr-FR" sz="980" b="1" dirty="0" smtClean="0">
+                <a:latin typeface="Courier New" panose="02070309020205020404" pitchFamily="49" charset="0"/>
+                <a:cs typeface="Courier New" panose="02070309020205020404" pitchFamily="49" charset="0"/>
+              </a:rPr>
+              <a:t>VBUS</a:t>
+            </a:r>
+          </a:p>
+          <a:p>
+            <a:r>
+              <a:rPr lang="fr-FR" sz="980" b="1" dirty="0" smtClean="0">
+                <a:latin typeface="Courier New" panose="02070309020205020404" pitchFamily="49" charset="0"/>
+                <a:cs typeface="Courier New" panose="02070309020205020404" pitchFamily="49" charset="0"/>
+              </a:rPr>
+              <a:t>VSYS</a:t>
+            </a:r>
+          </a:p>
+          <a:p>
+            <a:pPr algn="ctr"/>
+            <a:r>
+              <a:rPr lang="fr-FR" sz="980" b="1" dirty="0" smtClean="0">
+                <a:latin typeface="Courier New" panose="02070309020205020404" pitchFamily="49" charset="0"/>
+                <a:cs typeface="Courier New" panose="02070309020205020404" pitchFamily="49" charset="0"/>
+              </a:rPr>
+              <a:t>GND</a:t>
+            </a:r>
+          </a:p>
+          <a:p>
+            <a:r>
+              <a:rPr lang="fr-FR" sz="980" b="1" dirty="0" smtClean="0">
+                <a:latin typeface="Courier New" panose="02070309020205020404" pitchFamily="49" charset="0"/>
+                <a:cs typeface="Courier New" panose="02070309020205020404" pitchFamily="49" charset="0"/>
+              </a:rPr>
+              <a:t>3V3</a:t>
+            </a:r>
+          </a:p>
+          <a:p>
+            <a:r>
+              <a:rPr lang="fr-FR" sz="980" b="1" dirty="0" smtClean="0">
+                <a:latin typeface="Courier New" panose="02070309020205020404" pitchFamily="49" charset="0"/>
+                <a:cs typeface="Courier New" panose="02070309020205020404" pitchFamily="49" charset="0"/>
+              </a:rPr>
+              <a:t>GP24</a:t>
+            </a:r>
+          </a:p>
+          <a:p>
+            <a:r>
+              <a:rPr lang="fr-FR" sz="980" b="1" dirty="0" smtClean="0">
+                <a:latin typeface="Courier New" panose="02070309020205020404" pitchFamily="49" charset="0"/>
+                <a:cs typeface="Courier New" panose="02070309020205020404" pitchFamily="49" charset="0"/>
+              </a:rPr>
+              <a:t>ADC_VREF</a:t>
+            </a:r>
+            <a:endParaRPr lang="fr-FR" sz="980" b="1" dirty="0">
+              <a:latin typeface="Courier New" panose="02070309020205020404" pitchFamily="49" charset="0"/>
+              <a:cs typeface="Courier New" panose="02070309020205020404" pitchFamily="49" charset="0"/>
+            </a:endParaRPr>
+          </a:p>
+          <a:p>
+            <a:r>
+              <a:rPr lang="fr-FR" sz="980" b="1" dirty="0" smtClean="0">
+                <a:latin typeface="Courier New" panose="02070309020205020404" pitchFamily="49" charset="0"/>
+                <a:cs typeface="Courier New" panose="02070309020205020404" pitchFamily="49" charset="0"/>
+              </a:rPr>
+              <a:t>GP29</a:t>
+            </a:r>
+            <a:endParaRPr lang="fr-FR" sz="980" b="1" dirty="0">
+              <a:latin typeface="Courier New" panose="02070309020205020404" pitchFamily="49" charset="0"/>
+              <a:cs typeface="Courier New" panose="02070309020205020404" pitchFamily="49" charset="0"/>
+            </a:endParaRPr>
+          </a:p>
+          <a:p>
+            <a:pPr algn="ctr"/>
+            <a:r>
+              <a:rPr lang="fr-FR" sz="980" b="1" dirty="0" smtClean="0">
+                <a:latin typeface="Courier New" panose="02070309020205020404" pitchFamily="49" charset="0"/>
+                <a:cs typeface="Courier New" panose="02070309020205020404" pitchFamily="49" charset="0"/>
+              </a:rPr>
+              <a:t>GND</a:t>
+            </a:r>
+            <a:endParaRPr lang="fr-FR" sz="980" b="1" dirty="0">
+              <a:latin typeface="Courier New" panose="02070309020205020404" pitchFamily="49" charset="0"/>
+              <a:cs typeface="Courier New" panose="02070309020205020404" pitchFamily="49" charset="0"/>
+            </a:endParaRPr>
+          </a:p>
+          <a:p>
+            <a:r>
+              <a:rPr lang="fr-FR" sz="980" b="1" dirty="0" smtClean="0">
+                <a:latin typeface="Courier New" panose="02070309020205020404" pitchFamily="49" charset="0"/>
+                <a:cs typeface="Courier New" panose="02070309020205020404" pitchFamily="49" charset="0"/>
+              </a:rPr>
+              <a:t>GP28</a:t>
+            </a:r>
+            <a:endParaRPr lang="fr-FR" sz="980" b="1" dirty="0">
+              <a:latin typeface="Courier New" panose="02070309020205020404" pitchFamily="49" charset="0"/>
+              <a:cs typeface="Courier New" panose="02070309020205020404" pitchFamily="49" charset="0"/>
+            </a:endParaRPr>
+          </a:p>
+          <a:p>
+            <a:r>
+              <a:rPr lang="fr-FR" sz="980" b="1" dirty="0" smtClean="0">
+                <a:latin typeface="Courier New" panose="02070309020205020404" pitchFamily="49" charset="0"/>
+                <a:cs typeface="Courier New" panose="02070309020205020404" pitchFamily="49" charset="0"/>
+              </a:rPr>
+              <a:t>GP27</a:t>
+            </a:r>
+            <a:endParaRPr lang="fr-FR" sz="980" b="1" dirty="0">
+              <a:latin typeface="Courier New" panose="02070309020205020404" pitchFamily="49" charset="0"/>
+              <a:cs typeface="Courier New" panose="02070309020205020404" pitchFamily="49" charset="0"/>
+            </a:endParaRPr>
+          </a:p>
+          <a:p>
+            <a:r>
+              <a:rPr lang="fr-FR" sz="980" b="1" dirty="0" smtClean="0">
+                <a:latin typeface="Courier New" panose="02070309020205020404" pitchFamily="49" charset="0"/>
+                <a:cs typeface="Courier New" panose="02070309020205020404" pitchFamily="49" charset="0"/>
+              </a:rPr>
+              <a:t>GP26 | </a:t>
+            </a:r>
+            <a:r>
+              <a:rPr lang="fr-FR" sz="980" b="1" dirty="0" smtClean="0">
+                <a:solidFill>
+                  <a:srgbClr val="FF0000"/>
+                </a:solidFill>
+                <a:latin typeface="Courier New" panose="02070309020205020404" pitchFamily="49" charset="0"/>
+                <a:cs typeface="Courier New" panose="02070309020205020404" pitchFamily="49" charset="0"/>
+              </a:rPr>
+              <a:t>LED0</a:t>
+            </a:r>
+            <a:endParaRPr lang="fr-FR" sz="980" b="1" dirty="0">
+              <a:solidFill>
+                <a:srgbClr val="FF0000"/>
+              </a:solidFill>
+              <a:latin typeface="Courier New" panose="02070309020205020404" pitchFamily="49" charset="0"/>
+              <a:cs typeface="Courier New" panose="02070309020205020404" pitchFamily="49" charset="0"/>
+            </a:endParaRPr>
+          </a:p>
+          <a:p>
+            <a:r>
+              <a:rPr lang="fr-FR" sz="980" b="1" dirty="0" smtClean="0">
+                <a:latin typeface="Courier New" panose="02070309020205020404" pitchFamily="49" charset="0"/>
+                <a:cs typeface="Courier New" panose="02070309020205020404" pitchFamily="49" charset="0"/>
+              </a:rPr>
+              <a:t>GP22 | </a:t>
+            </a:r>
+            <a:r>
+              <a:rPr lang="fr-FR" sz="980" b="1" dirty="0" smtClean="0">
+                <a:solidFill>
+                  <a:srgbClr val="FF0000"/>
+                </a:solidFill>
+                <a:latin typeface="Courier New" panose="02070309020205020404" pitchFamily="49" charset="0"/>
+                <a:cs typeface="Courier New" panose="02070309020205020404" pitchFamily="49" charset="0"/>
+              </a:rPr>
+              <a:t>LED1</a:t>
+            </a:r>
+            <a:endParaRPr lang="fr-FR" sz="980" b="1" dirty="0">
+              <a:solidFill>
+                <a:srgbClr val="FF0000"/>
+              </a:solidFill>
+              <a:latin typeface="Courier New" panose="02070309020205020404" pitchFamily="49" charset="0"/>
+              <a:cs typeface="Courier New" panose="02070309020205020404" pitchFamily="49" charset="0"/>
+            </a:endParaRPr>
+          </a:p>
+          <a:p>
+            <a:pPr algn="ctr"/>
+            <a:r>
+              <a:rPr lang="fr-FR" sz="980" b="1" dirty="0" smtClean="0">
+                <a:latin typeface="Courier New" panose="02070309020205020404" pitchFamily="49" charset="0"/>
+                <a:cs typeface="Courier New" panose="02070309020205020404" pitchFamily="49" charset="0"/>
+              </a:rPr>
+              <a:t>GND</a:t>
+            </a:r>
+          </a:p>
+          <a:p>
+            <a:r>
+              <a:rPr lang="fr-FR" sz="980" b="1" dirty="0" smtClean="0">
+                <a:latin typeface="Courier New" panose="02070309020205020404" pitchFamily="49" charset="0"/>
+                <a:cs typeface="Courier New" panose="02070309020205020404" pitchFamily="49" charset="0"/>
+              </a:rPr>
+              <a:t>GP21 | </a:t>
+            </a:r>
+            <a:r>
+              <a:rPr lang="fr-FR" sz="980" b="1" dirty="0" smtClean="0">
+                <a:solidFill>
+                  <a:srgbClr val="FF0000"/>
+                </a:solidFill>
+                <a:latin typeface="Courier New" panose="02070309020205020404" pitchFamily="49" charset="0"/>
+                <a:cs typeface="Courier New" panose="02070309020205020404" pitchFamily="49" charset="0"/>
+              </a:rPr>
+              <a:t>LED2</a:t>
+            </a:r>
+            <a:endParaRPr lang="fr-FR" sz="980" b="1" dirty="0">
+              <a:solidFill>
+                <a:srgbClr val="FF0000"/>
+              </a:solidFill>
+              <a:latin typeface="Courier New" panose="02070309020205020404" pitchFamily="49" charset="0"/>
+              <a:cs typeface="Courier New" panose="02070309020205020404" pitchFamily="49" charset="0"/>
+            </a:endParaRPr>
+          </a:p>
+          <a:p>
+            <a:r>
+              <a:rPr lang="fr-FR" sz="980" b="1" dirty="0" smtClean="0">
+                <a:latin typeface="Courier New" panose="02070309020205020404" pitchFamily="49" charset="0"/>
+                <a:cs typeface="Courier New" panose="02070309020205020404" pitchFamily="49" charset="0"/>
+              </a:rPr>
+              <a:t>GP20 | </a:t>
+            </a:r>
+            <a:r>
+              <a:rPr lang="fr-FR" sz="980" b="1" dirty="0" smtClean="0">
+                <a:solidFill>
+                  <a:srgbClr val="FF0000"/>
+                </a:solidFill>
+                <a:latin typeface="Courier New" panose="02070309020205020404" pitchFamily="49" charset="0"/>
+                <a:cs typeface="Courier New" panose="02070309020205020404" pitchFamily="49" charset="0"/>
+              </a:rPr>
+              <a:t>LED3</a:t>
+            </a:r>
+            <a:endParaRPr lang="fr-FR" sz="980" b="1" dirty="0">
+              <a:solidFill>
+                <a:srgbClr val="FF0000"/>
+              </a:solidFill>
+              <a:latin typeface="Courier New" panose="02070309020205020404" pitchFamily="49" charset="0"/>
+              <a:cs typeface="Courier New" panose="02070309020205020404" pitchFamily="49" charset="0"/>
+            </a:endParaRPr>
+          </a:p>
+          <a:p>
+            <a:r>
+              <a:rPr lang="fr-FR" sz="980" b="1" dirty="0" smtClean="0">
+                <a:latin typeface="Courier New" panose="02070309020205020404" pitchFamily="49" charset="0"/>
+                <a:cs typeface="Courier New" panose="02070309020205020404" pitchFamily="49" charset="0"/>
+              </a:rPr>
+              <a:t>GP19 | </a:t>
+            </a:r>
+            <a:r>
+              <a:rPr lang="fr-FR" sz="980" b="1" dirty="0" smtClean="0">
+                <a:solidFill>
+                  <a:srgbClr val="FF0000"/>
+                </a:solidFill>
+                <a:latin typeface="Courier New" panose="02070309020205020404" pitchFamily="49" charset="0"/>
+                <a:cs typeface="Courier New" panose="02070309020205020404" pitchFamily="49" charset="0"/>
+              </a:rPr>
+              <a:t>LED4</a:t>
+            </a:r>
+            <a:endParaRPr lang="fr-FR" sz="980" b="1" dirty="0">
+              <a:solidFill>
+                <a:srgbClr val="FF0000"/>
+              </a:solidFill>
+              <a:latin typeface="Courier New" panose="02070309020205020404" pitchFamily="49" charset="0"/>
+              <a:cs typeface="Courier New" panose="02070309020205020404" pitchFamily="49" charset="0"/>
+            </a:endParaRPr>
+          </a:p>
+          <a:p>
+            <a:r>
+              <a:rPr lang="fr-FR" sz="980" b="1" dirty="0" smtClean="0">
+                <a:latin typeface="Courier New" panose="02070309020205020404" pitchFamily="49" charset="0"/>
+                <a:cs typeface="Courier New" panose="02070309020205020404" pitchFamily="49" charset="0"/>
+              </a:rPr>
+              <a:t>GP18 | </a:t>
+            </a:r>
+            <a:r>
+              <a:rPr lang="fr-FR" sz="980" b="1" dirty="0" smtClean="0">
+                <a:solidFill>
+                  <a:srgbClr val="FF0000"/>
+                </a:solidFill>
+                <a:latin typeface="Courier New" panose="02070309020205020404" pitchFamily="49" charset="0"/>
+                <a:cs typeface="Courier New" panose="02070309020205020404" pitchFamily="49" charset="0"/>
+              </a:rPr>
+              <a:t>LED5</a:t>
+            </a:r>
+            <a:endParaRPr lang="fr-FR" sz="980" b="1" dirty="0">
+              <a:solidFill>
+                <a:srgbClr val="FF0000"/>
+              </a:solidFill>
+              <a:latin typeface="Courier New" panose="02070309020205020404" pitchFamily="49" charset="0"/>
+              <a:cs typeface="Courier New" panose="02070309020205020404" pitchFamily="49" charset="0"/>
+            </a:endParaRPr>
+          </a:p>
+          <a:p>
+            <a:pPr algn="ctr"/>
+            <a:r>
+              <a:rPr lang="fr-FR" sz="980" b="1" dirty="0" smtClean="0">
+                <a:latin typeface="Courier New" panose="02070309020205020404" pitchFamily="49" charset="0"/>
+                <a:cs typeface="Courier New" panose="02070309020205020404" pitchFamily="49" charset="0"/>
+              </a:rPr>
+              <a:t>GND</a:t>
+            </a:r>
+          </a:p>
+          <a:p>
+            <a:r>
+              <a:rPr lang="fr-FR" sz="980" b="1" dirty="0" smtClean="0">
+                <a:latin typeface="Courier New" panose="02070309020205020404" pitchFamily="49" charset="0"/>
+                <a:cs typeface="Courier New" panose="02070309020205020404" pitchFamily="49" charset="0"/>
+              </a:rPr>
+              <a:t>GP17 | </a:t>
+            </a:r>
+            <a:r>
+              <a:rPr lang="fr-FR" sz="980" b="1" dirty="0" smtClean="0">
+                <a:solidFill>
+                  <a:srgbClr val="FF0000"/>
+                </a:solidFill>
+                <a:latin typeface="Courier New" panose="02070309020205020404" pitchFamily="49" charset="0"/>
+                <a:cs typeface="Courier New" panose="02070309020205020404" pitchFamily="49" charset="0"/>
+              </a:rPr>
+              <a:t>LED6</a:t>
+            </a:r>
+            <a:endParaRPr lang="fr-FR" sz="980" b="1" dirty="0">
+              <a:solidFill>
+                <a:srgbClr val="FF0000"/>
+              </a:solidFill>
+              <a:latin typeface="Courier New" panose="02070309020205020404" pitchFamily="49" charset="0"/>
+              <a:cs typeface="Courier New" panose="02070309020205020404" pitchFamily="49" charset="0"/>
+            </a:endParaRPr>
+          </a:p>
+          <a:p>
+            <a:r>
+              <a:rPr lang="fr-FR" sz="980" b="1" dirty="0" smtClean="0">
+                <a:latin typeface="Courier New" panose="02070309020205020404" pitchFamily="49" charset="0"/>
+                <a:cs typeface="Courier New" panose="02070309020205020404" pitchFamily="49" charset="0"/>
+              </a:rPr>
+              <a:t>GP16 | </a:t>
+            </a:r>
+            <a:r>
+              <a:rPr lang="fr-FR" sz="980" b="1" dirty="0" smtClean="0">
+                <a:solidFill>
+                  <a:srgbClr val="FF0000"/>
+                </a:solidFill>
+                <a:latin typeface="Courier New" panose="02070309020205020404" pitchFamily="49" charset="0"/>
+                <a:cs typeface="Courier New" panose="02070309020205020404" pitchFamily="49" charset="0"/>
+              </a:rPr>
+              <a:t>LED7</a:t>
+            </a:r>
+            <a:endParaRPr lang="fr-FR" sz="980" b="1" dirty="0">
+              <a:solidFill>
+                <a:srgbClr val="FF0000"/>
+              </a:solidFill>
+              <a:latin typeface="Courier New" panose="02070309020205020404" pitchFamily="49" charset="0"/>
+              <a:cs typeface="Courier New" panose="02070309020205020404" pitchFamily="49" charset="0"/>
+            </a:endParaRPr>
+          </a:p>
+        </p:txBody>
+      </p:sp>
+    </p:spTree>
+    <p:extLst>
+      <p:ext uri="{BB962C8B-B14F-4D97-AF65-F5344CB8AC3E}">
+        <p14:creationId xmlns:p14="http://schemas.microsoft.com/office/powerpoint/2010/main" val="3891280494"/>
       </p:ext>
     </p:extLst>
   </p:cSld>

--- a/HW/GPIO-MAPPING.pptx
+++ b/HW/GPIO-MAPPING.pptx
@@ -4089,6 +4089,25 @@
           </a:extLst>
         </p:spPr>
       </p:pic>
+      <p:sp>
+        <p:nvSpPr>
+          <p:cNvPr id="3" name="Date Placeholder 2" hidden="1"/>
+          <p:cNvSpPr>
+            <a:spLocks noGrp="1"/>
+          </p:cNvSpPr>
+          <p:nvPr>
+            <p:ph type="dt" sz="half" idx="10"/>
+          </p:nvPr>
+        </p:nvSpPr>
+        <p:spPr/>
+        <p:txBody>
+          <a:bodyPr/>
+          <a:lstStyle/>
+          <a:p>
+            <a:endParaRPr lang="en-US"/>
+          </a:p>
+        </p:txBody>
+      </p:sp>
     </p:spTree>
     <p:extLst>
       <p:ext uri="{BB962C8B-B14F-4D97-AF65-F5344CB8AC3E}">
@@ -4127,7 +4146,7 @@
         </p:nvSpPr>
         <p:spPr>
           <a:xfrm>
-            <a:off x="2895600" y="1590675"/>
+            <a:off x="2486025" y="857250"/>
             <a:ext cx="7553325" cy="4343400"/>
           </a:xfrm>
           <a:prstGeom prst="rect">
@@ -4180,7 +4199,7 @@
         </p:blipFill>
         <p:spPr>
           <a:xfrm rot="16200000">
-            <a:off x="5995411" y="2247324"/>
+            <a:off x="5585836" y="1513899"/>
             <a:ext cx="1353702" cy="3181350"/>
           </a:xfrm>
           <a:prstGeom prst="rect">
@@ -4196,7 +4215,7 @@
         </p:nvSpPr>
         <p:spPr>
           <a:xfrm rot="16200000">
-            <a:off x="6055927" y="3532712"/>
+            <a:off x="5646352" y="2799287"/>
             <a:ext cx="1339174" cy="3170099"/>
           </a:xfrm>
           <a:prstGeom prst="rect">
@@ -4679,7 +4698,7 @@
         </p:nvSpPr>
         <p:spPr>
           <a:xfrm rot="16200000">
-            <a:off x="6221264" y="1119473"/>
+            <a:off x="5811689" y="386048"/>
             <a:ext cx="1008497" cy="3170099"/>
           </a:xfrm>
           <a:prstGeom prst="rect">
@@ -5024,6 +5043,462 @@
               </a:rPr>
               <a:t>LED7</a:t>
             </a:r>
+            <a:endParaRPr lang="fr-FR" sz="980" b="1" dirty="0">
+              <a:solidFill>
+                <a:srgbClr val="FF0000"/>
+              </a:solidFill>
+              <a:latin typeface="Courier New" panose="02070309020205020404" pitchFamily="49" charset="0"/>
+              <a:cs typeface="Courier New" panose="02070309020205020404" pitchFamily="49" charset="0"/>
+            </a:endParaRPr>
+          </a:p>
+        </p:txBody>
+      </p:sp>
+      <p:sp>
+        <p:nvSpPr>
+          <p:cNvPr id="3" name="Date Placeholder 2" hidden="1"/>
+          <p:cNvSpPr>
+            <a:spLocks noGrp="1"/>
+          </p:cNvSpPr>
+          <p:nvPr>
+            <p:ph type="dt" sz="half" idx="10"/>
+          </p:nvPr>
+        </p:nvSpPr>
+        <p:spPr/>
+        <p:txBody>
+          <a:bodyPr/>
+          <a:lstStyle/>
+          <a:p>
+            <a:endParaRPr lang="en-US"/>
+          </a:p>
+        </p:txBody>
+      </p:sp>
+      <p:sp>
+        <p:nvSpPr>
+          <p:cNvPr id="10" name="TextBox 9"/>
+          <p:cNvSpPr txBox="1"/>
+          <p:nvPr/>
+        </p:nvSpPr>
+        <p:spPr>
+          <a:xfrm rot="16200000">
+            <a:off x="5607883" y="-865666"/>
+            <a:ext cx="1416108" cy="2052870"/>
+          </a:xfrm>
+          <a:prstGeom prst="rect">
+            <a:avLst/>
+          </a:prstGeom>
+          <a:noFill/>
+        </p:spPr>
+        <p:txBody>
+          <a:bodyPr wrap="square" rtlCol="0">
+            <a:spAutoFit/>
+          </a:bodyPr>
+          <a:lstStyle/>
+          <a:p>
+            <a:r>
+              <a:rPr lang="fr-FR" sz="980" b="1" dirty="0" smtClean="0">
+                <a:latin typeface="Courier New" panose="02070309020205020404" pitchFamily="49" charset="0"/>
+                <a:cs typeface="Courier New" panose="02070309020205020404" pitchFamily="49" charset="0"/>
+              </a:rPr>
+              <a:t>JACK 24V</a:t>
+            </a:r>
+            <a:endParaRPr lang="fr-FR" sz="980" b="1" dirty="0">
+              <a:solidFill>
+                <a:srgbClr val="FF0000"/>
+              </a:solidFill>
+              <a:latin typeface="Courier New" panose="02070309020205020404" pitchFamily="49" charset="0"/>
+              <a:cs typeface="Courier New" panose="02070309020205020404" pitchFamily="49" charset="0"/>
+            </a:endParaRPr>
+          </a:p>
+          <a:p>
+            <a:r>
+              <a:rPr lang="fr-FR" sz="980" b="1" dirty="0" smtClean="0">
+                <a:solidFill>
+                  <a:srgbClr val="FF0000"/>
+                </a:solidFill>
+                <a:latin typeface="Courier New" panose="02070309020205020404" pitchFamily="49" charset="0"/>
+                <a:cs typeface="Courier New" panose="02070309020205020404" pitchFamily="49" charset="0"/>
+              </a:rPr>
+              <a:t>Bornier 2p 24V</a:t>
+            </a:r>
+          </a:p>
+          <a:p>
+            <a:r>
+              <a:rPr lang="fr-FR" sz="980" b="1" dirty="0" smtClean="0">
+                <a:solidFill>
+                  <a:srgbClr val="FF0000"/>
+                </a:solidFill>
+                <a:latin typeface="Courier New" panose="02070309020205020404" pitchFamily="49" charset="0"/>
+                <a:cs typeface="Courier New" panose="02070309020205020404" pitchFamily="49" charset="0"/>
+              </a:rPr>
+              <a:t>Bornier 2p 5V</a:t>
+            </a:r>
+            <a:endParaRPr lang="fr-FR" sz="980" b="1" dirty="0">
+              <a:solidFill>
+                <a:srgbClr val="FF0000"/>
+              </a:solidFill>
+              <a:latin typeface="Courier New" panose="02070309020205020404" pitchFamily="49" charset="0"/>
+              <a:cs typeface="Courier New" panose="02070309020205020404" pitchFamily="49" charset="0"/>
+            </a:endParaRPr>
+          </a:p>
+          <a:p>
+            <a:r>
+              <a:rPr lang="fr-FR" sz="980" b="1" dirty="0" smtClean="0">
+                <a:solidFill>
+                  <a:srgbClr val="FF0000"/>
+                </a:solidFill>
+                <a:latin typeface="Courier New" panose="02070309020205020404" pitchFamily="49" charset="0"/>
+                <a:cs typeface="Courier New" panose="02070309020205020404" pitchFamily="49" charset="0"/>
+              </a:rPr>
+              <a:t>Bornier 3p UART1</a:t>
+            </a:r>
+          </a:p>
+          <a:p>
+            <a:r>
+              <a:rPr lang="fr-FR" sz="980" b="1" dirty="0" smtClean="0">
+                <a:solidFill>
+                  <a:srgbClr val="FF0000"/>
+                </a:solidFill>
+                <a:latin typeface="Courier New" panose="02070309020205020404" pitchFamily="49" charset="0"/>
+                <a:cs typeface="Courier New" panose="02070309020205020404" pitchFamily="49" charset="0"/>
+              </a:rPr>
+              <a:t>Bornier 3p UART2</a:t>
+            </a:r>
+          </a:p>
+          <a:p>
+            <a:r>
+              <a:rPr lang="fr-FR" sz="980" b="1" dirty="0" smtClean="0">
+                <a:solidFill>
+                  <a:srgbClr val="FF0000"/>
+                </a:solidFill>
+                <a:latin typeface="Courier New" panose="02070309020205020404" pitchFamily="49" charset="0"/>
+                <a:cs typeface="Courier New" panose="02070309020205020404" pitchFamily="49" charset="0"/>
+              </a:rPr>
+              <a:t>LED0</a:t>
+            </a:r>
+          </a:p>
+          <a:p>
+            <a:r>
+              <a:rPr lang="fr-FR" sz="980" b="1" dirty="0" smtClean="0">
+                <a:solidFill>
+                  <a:srgbClr val="FF0000"/>
+                </a:solidFill>
+                <a:latin typeface="Courier New" panose="02070309020205020404" pitchFamily="49" charset="0"/>
+                <a:cs typeface="Courier New" panose="02070309020205020404" pitchFamily="49" charset="0"/>
+              </a:rPr>
+              <a:t>LED1</a:t>
+            </a:r>
+          </a:p>
+          <a:p>
+            <a:r>
+              <a:rPr lang="fr-FR" sz="980" b="1" dirty="0" smtClean="0">
+                <a:solidFill>
+                  <a:srgbClr val="FF0000"/>
+                </a:solidFill>
+                <a:latin typeface="Courier New" panose="02070309020205020404" pitchFamily="49" charset="0"/>
+                <a:cs typeface="Courier New" panose="02070309020205020404" pitchFamily="49" charset="0"/>
+              </a:rPr>
+              <a:t>LED2</a:t>
+            </a:r>
+          </a:p>
+          <a:p>
+            <a:r>
+              <a:rPr lang="fr-FR" sz="980" b="1" dirty="0" smtClean="0">
+                <a:solidFill>
+                  <a:srgbClr val="FF0000"/>
+                </a:solidFill>
+                <a:latin typeface="Courier New" panose="02070309020205020404" pitchFamily="49" charset="0"/>
+                <a:cs typeface="Courier New" panose="02070309020205020404" pitchFamily="49" charset="0"/>
+              </a:rPr>
+              <a:t>LED3</a:t>
+            </a:r>
+          </a:p>
+          <a:p>
+            <a:r>
+              <a:rPr lang="fr-FR" sz="980" b="1" dirty="0" smtClean="0">
+                <a:solidFill>
+                  <a:srgbClr val="FF0000"/>
+                </a:solidFill>
+                <a:latin typeface="Courier New" panose="02070309020205020404" pitchFamily="49" charset="0"/>
+                <a:cs typeface="Courier New" panose="02070309020205020404" pitchFamily="49" charset="0"/>
+              </a:rPr>
+              <a:t>LED4</a:t>
+            </a:r>
+          </a:p>
+          <a:p>
+            <a:r>
+              <a:rPr lang="fr-FR" sz="980" b="1" dirty="0" smtClean="0">
+                <a:solidFill>
+                  <a:srgbClr val="FF0000"/>
+                </a:solidFill>
+                <a:latin typeface="Courier New" panose="02070309020205020404" pitchFamily="49" charset="0"/>
+                <a:cs typeface="Courier New" panose="02070309020205020404" pitchFamily="49" charset="0"/>
+              </a:rPr>
+              <a:t>LED5</a:t>
+            </a:r>
+          </a:p>
+          <a:p>
+            <a:r>
+              <a:rPr lang="fr-FR" sz="980" b="1" dirty="0" smtClean="0">
+                <a:solidFill>
+                  <a:srgbClr val="FF0000"/>
+                </a:solidFill>
+                <a:latin typeface="Courier New" panose="02070309020205020404" pitchFamily="49" charset="0"/>
+                <a:cs typeface="Courier New" panose="02070309020205020404" pitchFamily="49" charset="0"/>
+              </a:rPr>
+              <a:t>LED6</a:t>
+            </a:r>
+          </a:p>
+          <a:p>
+            <a:r>
+              <a:rPr lang="fr-FR" sz="980" b="1" dirty="0" smtClean="0">
+                <a:solidFill>
+                  <a:srgbClr val="FF0000"/>
+                </a:solidFill>
+                <a:latin typeface="Courier New" panose="02070309020205020404" pitchFamily="49" charset="0"/>
+                <a:cs typeface="Courier New" panose="02070309020205020404" pitchFamily="49" charset="0"/>
+              </a:rPr>
+              <a:t>LED7</a:t>
+            </a:r>
+            <a:endParaRPr lang="fr-FR" sz="980" b="1" dirty="0" smtClean="0">
+              <a:latin typeface="Courier New" panose="02070309020205020404" pitchFamily="49" charset="0"/>
+              <a:cs typeface="Courier New" panose="02070309020205020404" pitchFamily="49" charset="0"/>
+            </a:endParaRPr>
+          </a:p>
+        </p:txBody>
+      </p:sp>
+      <p:sp>
+        <p:nvSpPr>
+          <p:cNvPr id="11" name="TextBox 10"/>
+          <p:cNvSpPr txBox="1"/>
+          <p:nvPr/>
+        </p:nvSpPr>
+        <p:spPr>
+          <a:xfrm rot="16200000">
+            <a:off x="5553359" y="5370609"/>
+            <a:ext cx="1525155" cy="1449628"/>
+          </a:xfrm>
+          <a:prstGeom prst="rect">
+            <a:avLst/>
+          </a:prstGeom>
+          <a:noFill/>
+        </p:spPr>
+        <p:txBody>
+          <a:bodyPr wrap="square" rtlCol="0">
+            <a:spAutoFit/>
+          </a:bodyPr>
+          <a:lstStyle/>
+          <a:p>
+            <a:r>
+              <a:rPr lang="fr-FR" sz="980" b="1" dirty="0">
+                <a:solidFill>
+                  <a:srgbClr val="FF0000"/>
+                </a:solidFill>
+                <a:latin typeface="Courier New" panose="02070309020205020404" pitchFamily="49" charset="0"/>
+                <a:cs typeface="Courier New" panose="02070309020205020404" pitchFamily="49" charset="0"/>
+              </a:rPr>
+              <a:t>Bornier 2p TeleI0</a:t>
+            </a:r>
+          </a:p>
+          <a:p>
+            <a:r>
+              <a:rPr lang="fr-FR" sz="980" b="1" dirty="0">
+                <a:solidFill>
+                  <a:srgbClr val="FF0000"/>
+                </a:solidFill>
+                <a:latin typeface="Courier New" panose="02070309020205020404" pitchFamily="49" charset="0"/>
+                <a:cs typeface="Courier New" panose="02070309020205020404" pitchFamily="49" charset="0"/>
+              </a:rPr>
+              <a:t>Bornier 2p </a:t>
+            </a:r>
+            <a:r>
+              <a:rPr lang="fr-FR" sz="980" b="1" dirty="0" smtClean="0">
+                <a:solidFill>
+                  <a:srgbClr val="FF0000"/>
+                </a:solidFill>
+                <a:latin typeface="Courier New" panose="02070309020205020404" pitchFamily="49" charset="0"/>
+                <a:cs typeface="Courier New" panose="02070309020205020404" pitchFamily="49" charset="0"/>
+              </a:rPr>
+              <a:t>TeleI1</a:t>
+            </a:r>
+          </a:p>
+          <a:p>
+            <a:r>
+              <a:rPr lang="fr-FR" sz="980" b="1" dirty="0" smtClean="0">
+                <a:solidFill>
+                  <a:srgbClr val="FF0000"/>
+                </a:solidFill>
+                <a:latin typeface="Courier New" panose="02070309020205020404" pitchFamily="49" charset="0"/>
+                <a:cs typeface="Courier New" panose="02070309020205020404" pitchFamily="49" charset="0"/>
+              </a:rPr>
+              <a:t>Bornier 2p TeleI2</a:t>
+            </a:r>
+          </a:p>
+          <a:p>
+            <a:r>
+              <a:rPr lang="fr-FR" sz="980" b="1" dirty="0" smtClean="0">
+                <a:solidFill>
+                  <a:srgbClr val="FF0000"/>
+                </a:solidFill>
+                <a:latin typeface="Courier New" panose="02070309020205020404" pitchFamily="49" charset="0"/>
+                <a:cs typeface="Courier New" panose="02070309020205020404" pitchFamily="49" charset="0"/>
+              </a:rPr>
+              <a:t>Bornier </a:t>
+            </a:r>
+            <a:r>
+              <a:rPr lang="fr-FR" sz="980" b="1" dirty="0">
+                <a:solidFill>
+                  <a:srgbClr val="FF0000"/>
+                </a:solidFill>
+                <a:latin typeface="Courier New" panose="02070309020205020404" pitchFamily="49" charset="0"/>
+                <a:cs typeface="Courier New" panose="02070309020205020404" pitchFamily="49" charset="0"/>
+              </a:rPr>
+              <a:t>2p </a:t>
+            </a:r>
+            <a:r>
+              <a:rPr lang="fr-FR" sz="980" b="1" dirty="0" smtClean="0">
+                <a:solidFill>
+                  <a:srgbClr val="FF0000"/>
+                </a:solidFill>
+                <a:latin typeface="Courier New" panose="02070309020205020404" pitchFamily="49" charset="0"/>
+                <a:cs typeface="Courier New" panose="02070309020205020404" pitchFamily="49" charset="0"/>
+              </a:rPr>
+              <a:t>TeleI3</a:t>
+            </a:r>
+            <a:endParaRPr lang="fr-FR" sz="980" b="1" dirty="0">
+              <a:solidFill>
+                <a:srgbClr val="FF0000"/>
+              </a:solidFill>
+              <a:latin typeface="Courier New" panose="02070309020205020404" pitchFamily="49" charset="0"/>
+              <a:cs typeface="Courier New" panose="02070309020205020404" pitchFamily="49" charset="0"/>
+            </a:endParaRPr>
+          </a:p>
+          <a:p>
+            <a:r>
+              <a:rPr lang="fr-FR" sz="980" b="1" dirty="0">
+                <a:solidFill>
+                  <a:srgbClr val="FF0000"/>
+                </a:solidFill>
+                <a:latin typeface="Courier New" panose="02070309020205020404" pitchFamily="49" charset="0"/>
+                <a:cs typeface="Courier New" panose="02070309020205020404" pitchFamily="49" charset="0"/>
+              </a:rPr>
+              <a:t>Bornier 2p </a:t>
+            </a:r>
+            <a:r>
+              <a:rPr lang="fr-FR" sz="980" b="1" dirty="0" smtClean="0">
+                <a:solidFill>
+                  <a:srgbClr val="FF0000"/>
+                </a:solidFill>
+                <a:latin typeface="Courier New" panose="02070309020205020404" pitchFamily="49" charset="0"/>
+                <a:cs typeface="Courier New" panose="02070309020205020404" pitchFamily="49" charset="0"/>
+              </a:rPr>
+              <a:t>TeleI4</a:t>
+            </a:r>
+            <a:endParaRPr lang="fr-FR" sz="980" b="1" dirty="0">
+              <a:solidFill>
+                <a:srgbClr val="FF0000"/>
+              </a:solidFill>
+              <a:latin typeface="Courier New" panose="02070309020205020404" pitchFamily="49" charset="0"/>
+              <a:cs typeface="Courier New" panose="02070309020205020404" pitchFamily="49" charset="0"/>
+            </a:endParaRPr>
+          </a:p>
+          <a:p>
+            <a:r>
+              <a:rPr lang="fr-FR" sz="980" b="1" dirty="0">
+                <a:solidFill>
+                  <a:srgbClr val="FF0000"/>
+                </a:solidFill>
+                <a:latin typeface="Courier New" panose="02070309020205020404" pitchFamily="49" charset="0"/>
+                <a:cs typeface="Courier New" panose="02070309020205020404" pitchFamily="49" charset="0"/>
+              </a:rPr>
+              <a:t>Bornier 2p </a:t>
+            </a:r>
+            <a:r>
+              <a:rPr lang="fr-FR" sz="980" b="1" dirty="0" smtClean="0">
+                <a:solidFill>
+                  <a:srgbClr val="FF0000"/>
+                </a:solidFill>
+                <a:latin typeface="Courier New" panose="02070309020205020404" pitchFamily="49" charset="0"/>
+                <a:cs typeface="Courier New" panose="02070309020205020404" pitchFamily="49" charset="0"/>
+              </a:rPr>
+              <a:t>TeleI5</a:t>
+            </a:r>
+            <a:endParaRPr lang="fr-FR" sz="980" b="1" dirty="0">
+              <a:solidFill>
+                <a:srgbClr val="FF0000"/>
+              </a:solidFill>
+              <a:latin typeface="Courier New" panose="02070309020205020404" pitchFamily="49" charset="0"/>
+              <a:cs typeface="Courier New" panose="02070309020205020404" pitchFamily="49" charset="0"/>
+            </a:endParaRPr>
+          </a:p>
+          <a:p>
+            <a:r>
+              <a:rPr lang="fr-FR" sz="980" b="1" dirty="0">
+                <a:solidFill>
+                  <a:srgbClr val="FF0000"/>
+                </a:solidFill>
+                <a:latin typeface="Courier New" panose="02070309020205020404" pitchFamily="49" charset="0"/>
+                <a:cs typeface="Courier New" panose="02070309020205020404" pitchFamily="49" charset="0"/>
+              </a:rPr>
+              <a:t>Bornier 2p </a:t>
+            </a:r>
+            <a:r>
+              <a:rPr lang="fr-FR" sz="980" b="1" dirty="0" smtClean="0">
+                <a:solidFill>
+                  <a:srgbClr val="FF0000"/>
+                </a:solidFill>
+                <a:latin typeface="Courier New" panose="02070309020205020404" pitchFamily="49" charset="0"/>
+                <a:cs typeface="Courier New" panose="02070309020205020404" pitchFamily="49" charset="0"/>
+              </a:rPr>
+              <a:t>TeleI6</a:t>
+            </a:r>
+            <a:endParaRPr lang="fr-FR" sz="980" b="1" dirty="0">
+              <a:solidFill>
+                <a:srgbClr val="FF0000"/>
+              </a:solidFill>
+              <a:latin typeface="Courier New" panose="02070309020205020404" pitchFamily="49" charset="0"/>
+              <a:cs typeface="Courier New" panose="02070309020205020404" pitchFamily="49" charset="0"/>
+            </a:endParaRPr>
+          </a:p>
+          <a:p>
+            <a:r>
+              <a:rPr lang="fr-FR" sz="980" b="1" dirty="0" smtClean="0">
+                <a:solidFill>
+                  <a:srgbClr val="FF0000"/>
+                </a:solidFill>
+                <a:latin typeface="Courier New" panose="02070309020205020404" pitchFamily="49" charset="0"/>
+                <a:cs typeface="Courier New" panose="02070309020205020404" pitchFamily="49" charset="0"/>
+              </a:rPr>
+              <a:t>Bornier </a:t>
+            </a:r>
+            <a:r>
+              <a:rPr lang="fr-FR" sz="980" b="1" dirty="0">
+                <a:solidFill>
+                  <a:srgbClr val="FF0000"/>
+                </a:solidFill>
+                <a:latin typeface="Courier New" panose="02070309020205020404" pitchFamily="49" charset="0"/>
+                <a:cs typeface="Courier New" panose="02070309020205020404" pitchFamily="49" charset="0"/>
+              </a:rPr>
+              <a:t>2p </a:t>
+            </a:r>
+            <a:r>
+              <a:rPr lang="fr-FR" sz="980" b="1" dirty="0" smtClean="0">
+                <a:solidFill>
+                  <a:srgbClr val="FF0000"/>
+                </a:solidFill>
+                <a:latin typeface="Courier New" panose="02070309020205020404" pitchFamily="49" charset="0"/>
+                <a:cs typeface="Courier New" panose="02070309020205020404" pitchFamily="49" charset="0"/>
+              </a:rPr>
+              <a:t>TeleI7</a:t>
+            </a:r>
+            <a:endParaRPr lang="fr-FR" sz="980" b="1" dirty="0">
+              <a:solidFill>
+                <a:srgbClr val="FF0000"/>
+              </a:solidFill>
+              <a:latin typeface="Courier New" panose="02070309020205020404" pitchFamily="49" charset="0"/>
+              <a:cs typeface="Courier New" panose="02070309020205020404" pitchFamily="49" charset="0"/>
+            </a:endParaRPr>
+          </a:p>
+          <a:p>
             <a:endParaRPr lang="fr-FR" sz="980" b="1" dirty="0">
               <a:solidFill>
                 <a:srgbClr val="FF0000"/>
